--- a/buttons/Buttons.pptx
+++ b/buttons/Buttons.pptx
@@ -15,7 +15,9 @@
     <p:sldId id="263" r:id="rId9"/>
     <p:sldId id="264" r:id="rId10"/>
     <p:sldId id="265" r:id="rId11"/>
-    <p:sldId id="266" r:id="rId12"/>
+    <p:sldId id="267" r:id="rId12"/>
+    <p:sldId id="268" r:id="rId13"/>
+    <p:sldId id="266" r:id="rId14"/>
   </p:sldIdLst>
   <p:sldSz cx="12192000" cy="6858000"/>
   <p:notesSz cx="6858000" cy="9144000"/>
@@ -253,7 +255,7 @@
           <a:p>
             <a:fld id="{04843BEF-7A04-4D05-BE8E-403C3F065A6F}" type="datetimeFigureOut">
               <a:rPr lang="en-US" smtClean="0"/>
-              <a:t>5/4/2015</a:t>
+              <a:t>5/7/2015</a:t>
             </a:fld>
             <a:endParaRPr lang="en-US"/>
           </a:p>
@@ -423,7 +425,7 @@
           <a:p>
             <a:fld id="{04843BEF-7A04-4D05-BE8E-403C3F065A6F}" type="datetimeFigureOut">
               <a:rPr lang="en-US" smtClean="0"/>
-              <a:t>5/4/2015</a:t>
+              <a:t>5/7/2015</a:t>
             </a:fld>
             <a:endParaRPr lang="en-US"/>
           </a:p>
@@ -603,7 +605,7 @@
           <a:p>
             <a:fld id="{04843BEF-7A04-4D05-BE8E-403C3F065A6F}" type="datetimeFigureOut">
               <a:rPr lang="en-US" smtClean="0"/>
-              <a:t>5/4/2015</a:t>
+              <a:t>5/7/2015</a:t>
             </a:fld>
             <a:endParaRPr lang="en-US"/>
           </a:p>
@@ -773,7 +775,7 @@
           <a:p>
             <a:fld id="{04843BEF-7A04-4D05-BE8E-403C3F065A6F}" type="datetimeFigureOut">
               <a:rPr lang="en-US" smtClean="0"/>
-              <a:t>5/4/2015</a:t>
+              <a:t>5/7/2015</a:t>
             </a:fld>
             <a:endParaRPr lang="en-US"/>
           </a:p>
@@ -1019,7 +1021,7 @@
           <a:p>
             <a:fld id="{04843BEF-7A04-4D05-BE8E-403C3F065A6F}" type="datetimeFigureOut">
               <a:rPr lang="en-US" smtClean="0"/>
-              <a:t>5/4/2015</a:t>
+              <a:t>5/7/2015</a:t>
             </a:fld>
             <a:endParaRPr lang="en-US"/>
           </a:p>
@@ -1251,7 +1253,7 @@
           <a:p>
             <a:fld id="{04843BEF-7A04-4D05-BE8E-403C3F065A6F}" type="datetimeFigureOut">
               <a:rPr lang="en-US" smtClean="0"/>
-              <a:t>5/4/2015</a:t>
+              <a:t>5/7/2015</a:t>
             </a:fld>
             <a:endParaRPr lang="en-US"/>
           </a:p>
@@ -1618,7 +1620,7 @@
           <a:p>
             <a:fld id="{04843BEF-7A04-4D05-BE8E-403C3F065A6F}" type="datetimeFigureOut">
               <a:rPr lang="en-US" smtClean="0"/>
-              <a:t>5/4/2015</a:t>
+              <a:t>5/7/2015</a:t>
             </a:fld>
             <a:endParaRPr lang="en-US"/>
           </a:p>
@@ -1736,7 +1738,7 @@
           <a:p>
             <a:fld id="{04843BEF-7A04-4D05-BE8E-403C3F065A6F}" type="datetimeFigureOut">
               <a:rPr lang="en-US" smtClean="0"/>
-              <a:t>5/4/2015</a:t>
+              <a:t>5/7/2015</a:t>
             </a:fld>
             <a:endParaRPr lang="en-US"/>
           </a:p>
@@ -1831,7 +1833,7 @@
           <a:p>
             <a:fld id="{04843BEF-7A04-4D05-BE8E-403C3F065A6F}" type="datetimeFigureOut">
               <a:rPr lang="en-US" smtClean="0"/>
-              <a:t>5/4/2015</a:t>
+              <a:t>5/7/2015</a:t>
             </a:fld>
             <a:endParaRPr lang="en-US"/>
           </a:p>
@@ -2108,7 +2110,7 @@
           <a:p>
             <a:fld id="{04843BEF-7A04-4D05-BE8E-403C3F065A6F}" type="datetimeFigureOut">
               <a:rPr lang="en-US" smtClean="0"/>
-              <a:t>5/4/2015</a:t>
+              <a:t>5/7/2015</a:t>
             </a:fld>
             <a:endParaRPr lang="en-US"/>
           </a:p>
@@ -2361,7 +2363,7 @@
           <a:p>
             <a:fld id="{04843BEF-7A04-4D05-BE8E-403C3F065A6F}" type="datetimeFigureOut">
               <a:rPr lang="en-US" smtClean="0"/>
-              <a:t>5/4/2015</a:t>
+              <a:t>5/7/2015</a:t>
             </a:fld>
             <a:endParaRPr lang="en-US"/>
           </a:p>
@@ -2574,7 +2576,7 @@
           <a:p>
             <a:fld id="{04843BEF-7A04-4D05-BE8E-403C3F065A6F}" type="datetimeFigureOut">
               <a:rPr lang="en-US" smtClean="0"/>
-              <a:t>5/4/2015</a:t>
+              <a:t>5/7/2015</a:t>
             </a:fld>
             <a:endParaRPr lang="en-US"/>
           </a:p>
@@ -3158,7 +3160,9 @@
             <a:pPr algn="ctr"/>
             <a:r>
               <a:rPr lang="en-US" sz="13800" b="1" spc="50" dirty="0" smtClean="0">
-                <a:ln w="0"/>
+                <a:ln w="0">
+                  <a:noFill/>
+                </a:ln>
                 <a:solidFill>
                   <a:srgbClr val="00B0F0"/>
                 </a:solidFill>
@@ -3170,7 +3174,9 @@
               <a:t>back</a:t>
             </a:r>
             <a:endParaRPr lang="en-US" sz="13800" b="1" spc="50" dirty="0">
-              <a:ln w="0"/>
+              <a:ln w="0">
+                <a:noFill/>
+              </a:ln>
               <a:solidFill>
                 <a:srgbClr val="00B0F0"/>
               </a:solidFill>
@@ -3203,6 +3209,203 @@
 </file>
 
 <file path=ppt/slides/slide11.xml><?xml version="1.0" encoding="utf-8"?>
+<p:sld xmlns:a="http://schemas.openxmlformats.org/drawingml/2006/main" xmlns:r="http://schemas.openxmlformats.org/officeDocument/2006/relationships" xmlns:p="http://schemas.openxmlformats.org/presentationml/2006/main">
+  <p:cSld>
+    <p:bg>
+      <p:bgPr>
+        <a:solidFill>
+          <a:schemeClr val="tx1"/>
+        </a:solidFill>
+        <a:effectLst/>
+      </p:bgPr>
+    </p:bg>
+    <p:spTree>
+      <p:nvGrpSpPr>
+        <p:cNvPr id="1" name=""/>
+        <p:cNvGrpSpPr/>
+        <p:nvPr/>
+      </p:nvGrpSpPr>
+      <p:grpSpPr>
+        <a:xfrm>
+          <a:off x="0" y="0"/>
+          <a:ext cx="0" cy="0"/>
+          <a:chOff x="0" y="0"/>
+          <a:chExt cx="0" cy="0"/>
+        </a:xfrm>
+      </p:grpSpPr>
+      <p:sp>
+        <p:nvSpPr>
+          <p:cNvPr id="4" name="Sun 3"/>
+          <p:cNvSpPr>
+            <a:spLocks noChangeAspect="1"/>
+          </p:cNvSpPr>
+          <p:nvPr/>
+        </p:nvSpPr>
+        <p:spPr>
+          <a:xfrm>
+            <a:off x="1821412" y="1722120"/>
+            <a:ext cx="1280160" cy="1280160"/>
+          </a:xfrm>
+          <a:prstGeom prst="sun">
+            <a:avLst/>
+          </a:prstGeom>
+          <a:solidFill>
+            <a:srgbClr val="00B0F0"/>
+          </a:solidFill>
+          <a:scene3d>
+            <a:camera prst="orthographicFront"/>
+            <a:lightRig rig="threePt" dir="t"/>
+          </a:scene3d>
+          <a:sp3d prstMaterial="matte">
+            <a:bevelT w="101600" prst="angle"/>
+          </a:sp3d>
+        </p:spPr>
+        <p:style>
+          <a:lnRef idx="2">
+            <a:schemeClr val="accent1">
+              <a:shade val="50000"/>
+            </a:schemeClr>
+          </a:lnRef>
+          <a:fillRef idx="1">
+            <a:schemeClr val="accent1"/>
+          </a:fillRef>
+          <a:effectRef idx="0">
+            <a:schemeClr val="accent1"/>
+          </a:effectRef>
+          <a:fontRef idx="minor">
+            <a:schemeClr val="lt1"/>
+          </a:fontRef>
+        </p:style>
+        <p:txBody>
+          <a:bodyPr rtlCol="0" anchor="ctr"/>
+          <a:lstStyle/>
+          <a:p>
+            <a:pPr algn="ctr"/>
+            <a:endParaRPr lang="en-US"/>
+          </a:p>
+        </p:txBody>
+      </p:sp>
+    </p:spTree>
+    <p:extLst>
+      <p:ext uri="{BB962C8B-B14F-4D97-AF65-F5344CB8AC3E}">
+        <p14:creationId xmlns:p14="http://schemas.microsoft.com/office/powerpoint/2010/main" val="2966108449"/>
+      </p:ext>
+    </p:extLst>
+  </p:cSld>
+  <p:clrMapOvr>
+    <a:masterClrMapping/>
+  </p:clrMapOvr>
+</p:sld>
+</file>
+
+<file path=ppt/slides/slide12.xml><?xml version="1.0" encoding="utf-8"?>
+<p:sld xmlns:a="http://schemas.openxmlformats.org/drawingml/2006/main" xmlns:r="http://schemas.openxmlformats.org/officeDocument/2006/relationships" xmlns:p="http://schemas.openxmlformats.org/presentationml/2006/main">
+  <p:cSld>
+    <p:bg>
+      <p:bgPr>
+        <a:solidFill>
+          <a:schemeClr val="tx1"/>
+        </a:solidFill>
+        <a:effectLst/>
+      </p:bgPr>
+    </p:bg>
+    <p:spTree>
+      <p:nvGrpSpPr>
+        <p:cNvPr id="1" name=""/>
+        <p:cNvGrpSpPr/>
+        <p:nvPr/>
+      </p:nvGrpSpPr>
+      <p:grpSpPr>
+        <a:xfrm>
+          <a:off x="0" y="0"/>
+          <a:ext cx="0" cy="0"/>
+          <a:chOff x="0" y="0"/>
+          <a:chExt cx="0" cy="0"/>
+        </a:xfrm>
+      </p:grpSpPr>
+      <p:sp>
+        <p:nvSpPr>
+          <p:cNvPr id="8" name="Rectangle 7"/>
+          <p:cNvSpPr/>
+          <p:nvPr/>
+        </p:nvSpPr>
+        <p:spPr>
+          <a:xfrm>
+            <a:off x="1413164" y="3639127"/>
+            <a:ext cx="10058400" cy="457200"/>
+          </a:xfrm>
+          <a:prstGeom prst="rect">
+            <a:avLst/>
+          </a:prstGeom>
+          <a:solidFill>
+            <a:srgbClr val="00B0F0"/>
+          </a:solidFill>
+          <a:ln>
+            <a:solidFill>
+              <a:schemeClr val="accent1">
+                <a:shade val="50000"/>
+              </a:schemeClr>
+            </a:solidFill>
+          </a:ln>
+          <a:scene3d>
+            <a:camera prst="orthographicFront"/>
+            <a:lightRig rig="threePt" dir="t"/>
+          </a:scene3d>
+          <a:sp3d prstMaterial="matte">
+            <a:bevelT w="228600" prst="angle"/>
+          </a:sp3d>
+        </p:spPr>
+        <p:style>
+          <a:lnRef idx="2">
+            <a:schemeClr val="accent1">
+              <a:shade val="50000"/>
+            </a:schemeClr>
+          </a:lnRef>
+          <a:fillRef idx="1">
+            <a:schemeClr val="accent1"/>
+          </a:fillRef>
+          <a:effectRef idx="0">
+            <a:schemeClr val="accent1"/>
+          </a:effectRef>
+          <a:fontRef idx="minor">
+            <a:schemeClr val="lt1"/>
+          </a:fontRef>
+        </p:style>
+        <p:txBody>
+          <a:bodyPr rtlCol="0" anchor="ctr"/>
+          <a:lstStyle/>
+          <a:p>
+            <a:pPr algn="ctr"/>
+            <a:endParaRPr lang="en-US">
+              <a:ln w="0"/>
+              <a:solidFill>
+                <a:schemeClr val="accent1"/>
+              </a:solidFill>
+              <a:effectLst>
+                <a:outerShdw blurRad="38100" dist="25400" dir="5400000" algn="ctr" rotWithShape="0">
+                  <a:srgbClr val="6E747A">
+                    <a:alpha val="43000"/>
+                  </a:srgbClr>
+                </a:outerShdw>
+              </a:effectLst>
+            </a:endParaRPr>
+          </a:p>
+        </p:txBody>
+      </p:sp>
+    </p:spTree>
+    <p:extLst>
+      <p:ext uri="{BB962C8B-B14F-4D97-AF65-F5344CB8AC3E}">
+        <p14:creationId xmlns:p14="http://schemas.microsoft.com/office/powerpoint/2010/main" val="140089592"/>
+      </p:ext>
+    </p:extLst>
+  </p:cSld>
+  <p:clrMapOvr>
+    <a:masterClrMapping/>
+  </p:clrMapOvr>
+</p:sld>
+</file>
+
+<file path=ppt/slides/slide13.xml><?xml version="1.0" encoding="utf-8"?>
 <p:sld xmlns:a="http://schemas.openxmlformats.org/drawingml/2006/main" xmlns:r="http://schemas.openxmlformats.org/officeDocument/2006/relationships" xmlns:p="http://schemas.openxmlformats.org/presentationml/2006/main">
   <p:cSld>
     <p:bg>

--- a/buttons/Buttons.pptx
+++ b/buttons/Buttons.pptx
@@ -17,7 +17,9 @@
     <p:sldId id="265" r:id="rId11"/>
     <p:sldId id="267" r:id="rId12"/>
     <p:sldId id="268" r:id="rId13"/>
-    <p:sldId id="266" r:id="rId14"/>
+    <p:sldId id="269" r:id="rId14"/>
+    <p:sldId id="270" r:id="rId15"/>
+    <p:sldId id="266" r:id="rId16"/>
   </p:sldIdLst>
   <p:sldSz cx="12192000" cy="6858000"/>
   <p:notesSz cx="6858000" cy="9144000"/>
@@ -3432,6 +3434,238 @@
       </p:grpSpPr>
       <p:sp>
         <p:nvSpPr>
+          <p:cNvPr id="4" name="TextBox 3"/>
+          <p:cNvSpPr txBox="1">
+            <a:spLocks/>
+          </p:cNvSpPr>
+          <p:nvPr/>
+        </p:nvSpPr>
+        <p:spPr>
+          <a:xfrm>
+            <a:off x="182880" y="182880"/>
+            <a:ext cx="10972800" cy="2030730"/>
+          </a:xfrm>
+          <a:prstGeom prst="snip2DiagRect">
+            <a:avLst>
+              <a:gd name="adj1" fmla="val 0"/>
+              <a:gd name="adj2" fmla="val 23234"/>
+            </a:avLst>
+          </a:prstGeom>
+          <a:noFill/>
+          <a:ln w="76200">
+            <a:solidFill>
+              <a:srgbClr val="00B0F0"/>
+            </a:solidFill>
+            <a:round/>
+          </a:ln>
+          <a:effectLst/>
+        </p:spPr>
+        <p:style>
+          <a:lnRef idx="2">
+            <a:schemeClr val="accent1"/>
+          </a:lnRef>
+          <a:fillRef idx="1">
+            <a:schemeClr val="lt1"/>
+          </a:fillRef>
+          <a:effectRef idx="0">
+            <a:schemeClr val="accent1"/>
+          </a:effectRef>
+          <a:fontRef idx="minor">
+            <a:schemeClr val="dk1"/>
+          </a:fontRef>
+        </p:style>
+        <p:txBody>
+          <a:bodyPr wrap="square" tIns="0" bIns="731520" rtlCol="0" anchor="ctr" anchorCtr="0">
+            <a:noAutofit/>
+          </a:bodyPr>
+          <a:lstStyle/>
+          <a:p>
+            <a:pPr algn="ctr"/>
+            <a:r>
+              <a:rPr lang="en-US" sz="13800" b="1" spc="50" dirty="0" smtClean="0">
+                <a:ln w="0">
+                  <a:noFill/>
+                </a:ln>
+                <a:solidFill>
+                  <a:srgbClr val="00B0F0"/>
+                </a:solidFill>
+                <a:latin typeface="TR2N" pitchFamily="2" charset="0"/>
+                <a:ea typeface="TR2N" pitchFamily="2" charset="0"/>
+                <a:cs typeface="Miriam Fixed" panose="020B0509050101010101" pitchFamily="49" charset="-79"/>
+              </a:rPr>
+              <a:t>mute</a:t>
+            </a:r>
+            <a:endParaRPr lang="en-US" sz="13800" b="1" spc="50" dirty="0">
+              <a:ln w="0">
+                <a:noFill/>
+              </a:ln>
+              <a:solidFill>
+                <a:srgbClr val="00B0F0"/>
+              </a:solidFill>
+              <a:effectLst/>
+              <a:latin typeface="TR2N" pitchFamily="2" charset="0"/>
+              <a:ea typeface="TR2N" pitchFamily="2" charset="0"/>
+              <a:cs typeface="Miriam Fixed" panose="020B0509050101010101" pitchFamily="49" charset="-79"/>
+            </a:endParaRPr>
+          </a:p>
+        </p:txBody>
+      </p:sp>
+    </p:spTree>
+    <p:extLst>
+      <p:ext uri="{BB962C8B-B14F-4D97-AF65-F5344CB8AC3E}">
+        <p14:creationId xmlns:p14="http://schemas.microsoft.com/office/powerpoint/2010/main" val="3628638789"/>
+      </p:ext>
+    </p:extLst>
+  </p:cSld>
+  <p:clrMapOvr>
+    <a:masterClrMapping/>
+  </p:clrMapOvr>
+</p:sld>
+</file>
+
+<file path=ppt/slides/slide14.xml><?xml version="1.0" encoding="utf-8"?>
+<p:sld xmlns:a="http://schemas.openxmlformats.org/drawingml/2006/main" xmlns:r="http://schemas.openxmlformats.org/officeDocument/2006/relationships" xmlns:p="http://schemas.openxmlformats.org/presentationml/2006/main">
+  <p:cSld>
+    <p:bg>
+      <p:bgPr>
+        <a:solidFill>
+          <a:schemeClr val="tx1"/>
+        </a:solidFill>
+        <a:effectLst/>
+      </p:bgPr>
+    </p:bg>
+    <p:spTree>
+      <p:nvGrpSpPr>
+        <p:cNvPr id="1" name=""/>
+        <p:cNvGrpSpPr/>
+        <p:nvPr/>
+      </p:nvGrpSpPr>
+      <p:grpSpPr>
+        <a:xfrm>
+          <a:off x="0" y="0"/>
+          <a:ext cx="0" cy="0"/>
+          <a:chOff x="0" y="0"/>
+          <a:chExt cx="0" cy="0"/>
+        </a:xfrm>
+      </p:grpSpPr>
+      <p:sp>
+        <p:nvSpPr>
+          <p:cNvPr id="4" name="TextBox 3"/>
+          <p:cNvSpPr txBox="1">
+            <a:spLocks/>
+          </p:cNvSpPr>
+          <p:nvPr/>
+        </p:nvSpPr>
+        <p:spPr>
+          <a:xfrm>
+            <a:off x="182880" y="182880"/>
+            <a:ext cx="10972800" cy="2030730"/>
+          </a:xfrm>
+          <a:prstGeom prst="snip2DiagRect">
+            <a:avLst>
+              <a:gd name="adj1" fmla="val 0"/>
+              <a:gd name="adj2" fmla="val 23234"/>
+            </a:avLst>
+          </a:prstGeom>
+          <a:noFill/>
+          <a:ln w="76200">
+            <a:solidFill>
+              <a:srgbClr val="00B0F0"/>
+            </a:solidFill>
+            <a:round/>
+          </a:ln>
+          <a:effectLst/>
+        </p:spPr>
+        <p:style>
+          <a:lnRef idx="2">
+            <a:schemeClr val="accent1"/>
+          </a:lnRef>
+          <a:fillRef idx="1">
+            <a:schemeClr val="lt1"/>
+          </a:fillRef>
+          <a:effectRef idx="0">
+            <a:schemeClr val="accent1"/>
+          </a:effectRef>
+          <a:fontRef idx="minor">
+            <a:schemeClr val="dk1"/>
+          </a:fontRef>
+        </p:style>
+        <p:txBody>
+          <a:bodyPr wrap="square" tIns="0" bIns="731520" rtlCol="0" anchor="ctr" anchorCtr="0">
+            <a:noAutofit/>
+          </a:bodyPr>
+          <a:lstStyle/>
+          <a:p>
+            <a:pPr algn="ctr"/>
+            <a:r>
+              <a:rPr lang="en-US" sz="13800" b="1" spc="50" dirty="0" smtClean="0">
+                <a:ln w="0">
+                  <a:noFill/>
+                </a:ln>
+                <a:solidFill>
+                  <a:srgbClr val="00B0F0"/>
+                </a:solidFill>
+                <a:latin typeface="TR2N" pitchFamily="2" charset="0"/>
+                <a:ea typeface="TR2N" pitchFamily="2" charset="0"/>
+                <a:cs typeface="Miriam Fixed" panose="020B0509050101010101" pitchFamily="49" charset="-79"/>
+              </a:rPr>
+              <a:t>music</a:t>
+            </a:r>
+            <a:endParaRPr lang="en-US" sz="13800" b="1" spc="50" dirty="0">
+              <a:ln w="0">
+                <a:noFill/>
+              </a:ln>
+              <a:solidFill>
+                <a:srgbClr val="00B0F0"/>
+              </a:solidFill>
+              <a:effectLst/>
+              <a:latin typeface="TR2N" pitchFamily="2" charset="0"/>
+              <a:ea typeface="TR2N" pitchFamily="2" charset="0"/>
+              <a:cs typeface="Miriam Fixed" panose="020B0509050101010101" pitchFamily="49" charset="-79"/>
+            </a:endParaRPr>
+          </a:p>
+        </p:txBody>
+      </p:sp>
+    </p:spTree>
+    <p:extLst>
+      <p:ext uri="{BB962C8B-B14F-4D97-AF65-F5344CB8AC3E}">
+        <p14:creationId xmlns:p14="http://schemas.microsoft.com/office/powerpoint/2010/main" val="3606617221"/>
+      </p:ext>
+    </p:extLst>
+  </p:cSld>
+  <p:clrMapOvr>
+    <a:masterClrMapping/>
+  </p:clrMapOvr>
+</p:sld>
+</file>
+
+<file path=ppt/slides/slide15.xml><?xml version="1.0" encoding="utf-8"?>
+<p:sld xmlns:a="http://schemas.openxmlformats.org/drawingml/2006/main" xmlns:r="http://schemas.openxmlformats.org/officeDocument/2006/relationships" xmlns:p="http://schemas.openxmlformats.org/presentationml/2006/main">
+  <p:cSld>
+    <p:bg>
+      <p:bgPr>
+        <a:solidFill>
+          <a:schemeClr val="tx1"/>
+        </a:solidFill>
+        <a:effectLst/>
+      </p:bgPr>
+    </p:bg>
+    <p:spTree>
+      <p:nvGrpSpPr>
+        <p:cNvPr id="1" name=""/>
+        <p:cNvGrpSpPr/>
+        <p:nvPr/>
+      </p:nvGrpSpPr>
+      <p:grpSpPr>
+        <a:xfrm>
+          <a:off x="0" y="0"/>
+          <a:ext cx="0" cy="0"/>
+          <a:chOff x="0" y="0"/>
+          <a:chExt cx="0" cy="0"/>
+        </a:xfrm>
+      </p:grpSpPr>
+      <p:sp>
+        <p:nvSpPr>
           <p:cNvPr id="3" name="TextBox 2"/>
           <p:cNvSpPr txBox="1">
             <a:spLocks/>
